--- a/CSC330 Presentation.pptx
+++ b/CSC330 Presentation.pptx
@@ -10,6 +10,8 @@
     <p:sldId id="258" r:id="rId4"/>
     <p:sldId id="259" r:id="rId5"/>
     <p:sldId id="260" r:id="rId6"/>
+    <p:sldId id="261" r:id="rId7"/>
+    <p:sldId id="262" r:id="rId8"/>
   </p:sldIdLst>
   <p:sldSz cx="12192000" cy="6858000"/>
   <p:notesSz cx="6858000" cy="9144000"/>
@@ -1525,7 +1527,7 @@
           <a:p>
             <a:fld id="{481296E2-EC39-404B-8F4A-6B88FB66CAC2}" type="datetimeFigureOut">
               <a:rPr lang="en-US" smtClean="0"/>
-              <a:t>5/6/2023</a:t>
+              <a:t>5/7/2023</a:t>
             </a:fld>
             <a:endParaRPr lang="en-US"/>
           </a:p>
@@ -2984,7 +2986,7 @@
           <a:p>
             <a:fld id="{481296E2-EC39-404B-8F4A-6B88FB66CAC2}" type="datetimeFigureOut">
               <a:rPr lang="en-US" smtClean="0"/>
-              <a:t>5/6/2023</a:t>
+              <a:t>5/7/2023</a:t>
             </a:fld>
             <a:endParaRPr lang="en-US"/>
           </a:p>
@@ -4437,7 +4439,7 @@
           <a:p>
             <a:fld id="{481296E2-EC39-404B-8F4A-6B88FB66CAC2}" type="datetimeFigureOut">
               <a:rPr lang="en-US" smtClean="0"/>
-              <a:t>5/6/2023</a:t>
+              <a:t>5/7/2023</a:t>
             </a:fld>
             <a:endParaRPr lang="en-US"/>
           </a:p>
@@ -5892,7 +5894,7 @@
           <a:p>
             <a:fld id="{481296E2-EC39-404B-8F4A-6B88FB66CAC2}" type="datetimeFigureOut">
               <a:rPr lang="en-US" smtClean="0"/>
-              <a:t>5/6/2023</a:t>
+              <a:t>5/7/2023</a:t>
             </a:fld>
             <a:endParaRPr lang="en-US"/>
           </a:p>
@@ -7400,7 +7402,7 @@
           <a:p>
             <a:fld id="{481296E2-EC39-404B-8F4A-6B88FB66CAC2}" type="datetimeFigureOut">
               <a:rPr lang="en-US" smtClean="0"/>
-              <a:t>5/6/2023</a:t>
+              <a:t>5/7/2023</a:t>
             </a:fld>
             <a:endParaRPr lang="en-US"/>
           </a:p>
@@ -8921,7 +8923,7 @@
           <a:p>
             <a:fld id="{481296E2-EC39-404B-8F4A-6B88FB66CAC2}" type="datetimeFigureOut">
               <a:rPr lang="en-US" smtClean="0"/>
-              <a:t>5/6/2023</a:t>
+              <a:t>5/7/2023</a:t>
             </a:fld>
             <a:endParaRPr lang="en-US"/>
           </a:p>
@@ -10586,7 +10588,7 @@
           <a:p>
             <a:fld id="{481296E2-EC39-404B-8F4A-6B88FB66CAC2}" type="datetimeFigureOut">
               <a:rPr lang="en-US" smtClean="0"/>
-              <a:t>5/6/2023</a:t>
+              <a:t>5/7/2023</a:t>
             </a:fld>
             <a:endParaRPr lang="en-US"/>
           </a:p>
@@ -11984,7 +11986,7 @@
           <a:p>
             <a:fld id="{481296E2-EC39-404B-8F4A-6B88FB66CAC2}" type="datetimeFigureOut">
               <a:rPr lang="en-US" smtClean="0"/>
-              <a:t>5/6/2023</a:t>
+              <a:t>5/7/2023</a:t>
             </a:fld>
             <a:endParaRPr lang="en-US"/>
           </a:p>
@@ -12084,7 +12086,7 @@
           <a:p>
             <a:fld id="{481296E2-EC39-404B-8F4A-6B88FB66CAC2}" type="datetimeFigureOut">
               <a:rPr lang="en-US" smtClean="0"/>
-              <a:t>5/6/2023</a:t>
+              <a:t>5/7/2023</a:t>
             </a:fld>
             <a:endParaRPr lang="en-US"/>
           </a:p>
@@ -13610,7 +13612,7 @@
           <a:p>
             <a:fld id="{481296E2-EC39-404B-8F4A-6B88FB66CAC2}" type="datetimeFigureOut">
               <a:rPr lang="en-US" smtClean="0"/>
-              <a:t>5/6/2023</a:t>
+              <a:t>5/7/2023</a:t>
             </a:fld>
             <a:endParaRPr lang="en-US"/>
           </a:p>
@@ -15146,7 +15148,7 @@
           <a:p>
             <a:fld id="{481296E2-EC39-404B-8F4A-6B88FB66CAC2}" type="datetimeFigureOut">
               <a:rPr lang="en-US" smtClean="0"/>
-              <a:t>5/6/2023</a:t>
+              <a:t>5/7/2023</a:t>
             </a:fld>
             <a:endParaRPr lang="en-US"/>
           </a:p>
@@ -15369,7 +15371,7 @@
           <a:p>
             <a:fld id="{481296E2-EC39-404B-8F4A-6B88FB66CAC2}" type="datetimeFigureOut">
               <a:rPr lang="en-US" smtClean="0"/>
-              <a:t>5/6/2023</a:t>
+              <a:t>5/7/2023</a:t>
             </a:fld>
             <a:endParaRPr lang="en-US"/>
           </a:p>
@@ -15842,10 +15844,9 @@
           <a:lstStyle/>
           <a:p>
             <a:r>
-              <a:rPr lang="en-US" dirty="0" err="1"/>
-              <a:t>Pokedex</a:t>
+              <a:rPr lang="en-US" dirty="0"/>
+              <a:t>Pokédex</a:t>
             </a:r>
-            <a:endParaRPr lang="en-US" dirty="0"/>
           </a:p>
         </p:txBody>
       </p:sp>
@@ -15974,15 +15975,7 @@
           <a:p>
             <a:r>
               <a:rPr lang="en-US" dirty="0"/>
-              <a:t>We decided to make a </a:t>
-            </a:r>
-            <a:r>
-              <a:rPr lang="en-US" dirty="0" err="1"/>
-              <a:t>Pokedex</a:t>
-            </a:r>
-            <a:r>
-              <a:rPr lang="en-US" dirty="0"/>
-              <a:t> for the first generation of Pokémon.</a:t>
+              <a:t>We decided to make a Pokédex for the first generation of Pokémon.</a:t>
             </a:r>
           </a:p>
           <a:p>
@@ -16228,7 +16221,10 @@
             </a:r>
           </a:p>
           <a:p>
-            <a:endParaRPr lang="en-US" dirty="0"/>
+            <a:r>
+              <a:rPr lang="en-US" dirty="0"/>
+              <a:t>List</a:t>
+            </a:r>
           </a:p>
         </p:txBody>
       </p:sp>
@@ -16444,6 +16440,193 @@
     <p:extLst>
       <p:ext uri="{BB962C8B-B14F-4D97-AF65-F5344CB8AC3E}">
         <p14:creationId xmlns:p14="http://schemas.microsoft.com/office/powerpoint/2010/main" val="3211728065"/>
+      </p:ext>
+    </p:extLst>
+  </p:cSld>
+  <p:clrMapOvr>
+    <a:masterClrMapping/>
+  </p:clrMapOvr>
+</p:sld>
+</file>
+
+<file path=ppt/slides/slide6.xml><?xml version="1.0" encoding="utf-8"?>
+<p:sld xmlns:a="http://schemas.openxmlformats.org/drawingml/2006/main" xmlns:r="http://schemas.openxmlformats.org/officeDocument/2006/relationships" xmlns:p="http://schemas.openxmlformats.org/presentationml/2006/main">
+  <p:cSld>
+    <p:spTree>
+      <p:nvGrpSpPr>
+        <p:cNvPr id="1" name=""/>
+        <p:cNvGrpSpPr/>
+        <p:nvPr/>
+      </p:nvGrpSpPr>
+      <p:grpSpPr>
+        <a:xfrm>
+          <a:off x="0" y="0"/>
+          <a:ext cx="0" cy="0"/>
+          <a:chOff x="0" y="0"/>
+          <a:chExt cx="0" cy="0"/>
+        </a:xfrm>
+      </p:grpSpPr>
+      <p:sp>
+        <p:nvSpPr>
+          <p:cNvPr id="2" name="Title 1">
+            <a:extLst>
+              <a:ext uri="{FF2B5EF4-FFF2-40B4-BE49-F238E27FC236}">
+                <a16:creationId xmlns:a16="http://schemas.microsoft.com/office/drawing/2014/main" id="{4E974BB2-1283-C813-E65D-361FE18C2D39}"/>
+              </a:ext>
+            </a:extLst>
+          </p:cNvPr>
+          <p:cNvSpPr>
+            <a:spLocks noGrp="1"/>
+          </p:cNvSpPr>
+          <p:nvPr>
+            <p:ph type="title"/>
+          </p:nvPr>
+        </p:nvSpPr>
+        <p:spPr/>
+        <p:txBody>
+          <a:bodyPr/>
+          <a:lstStyle/>
+          <a:p>
+            <a:r>
+              <a:rPr lang="en-US" dirty="0"/>
+              <a:t>List</a:t>
+            </a:r>
+          </a:p>
+        </p:txBody>
+      </p:sp>
+      <p:sp>
+        <p:nvSpPr>
+          <p:cNvPr id="3" name="Content Placeholder 2">
+            <a:extLst>
+              <a:ext uri="{FF2B5EF4-FFF2-40B4-BE49-F238E27FC236}">
+                <a16:creationId xmlns:a16="http://schemas.microsoft.com/office/drawing/2014/main" id="{16345F61-8BCD-E66B-5D69-4FCB43560552}"/>
+              </a:ext>
+            </a:extLst>
+          </p:cNvPr>
+          <p:cNvSpPr>
+            <a:spLocks noGrp="1"/>
+          </p:cNvSpPr>
+          <p:nvPr>
+            <p:ph idx="1"/>
+          </p:nvPr>
+        </p:nvSpPr>
+        <p:spPr/>
+        <p:txBody>
+          <a:bodyPr/>
+          <a:lstStyle/>
+          <a:p>
+            <a:r>
+              <a:rPr lang="en-US" dirty="0"/>
+              <a:t>There will be an additional button that will let the user view the Pokédex in another form</a:t>
+            </a:r>
+          </a:p>
+          <a:p>
+            <a:r>
+              <a:rPr lang="en-US" dirty="0"/>
+              <a:t>They will be able to view the information of Pokémon in a list</a:t>
+            </a:r>
+          </a:p>
+          <a:p>
+            <a:r>
+              <a:rPr lang="en-US" dirty="0"/>
+              <a:t>The user will be able to scroll through the list of Pokémon</a:t>
+            </a:r>
+          </a:p>
+          <a:p>
+            <a:r>
+              <a:rPr lang="en-US" dirty="0"/>
+              <a:t>There will be a button that the user can press that will bring them back to the normal display</a:t>
+            </a:r>
+          </a:p>
+          <a:p>
+            <a:endParaRPr lang="en-US" dirty="0"/>
+          </a:p>
+        </p:txBody>
+      </p:sp>
+    </p:spTree>
+    <p:extLst>
+      <p:ext uri="{BB962C8B-B14F-4D97-AF65-F5344CB8AC3E}">
+        <p14:creationId xmlns:p14="http://schemas.microsoft.com/office/powerpoint/2010/main" val="1461844013"/>
+      </p:ext>
+    </p:extLst>
+  </p:cSld>
+  <p:clrMapOvr>
+    <a:masterClrMapping/>
+  </p:clrMapOvr>
+</p:sld>
+</file>
+
+<file path=ppt/slides/slide7.xml><?xml version="1.0" encoding="utf-8"?>
+<p:sld xmlns:a="http://schemas.openxmlformats.org/drawingml/2006/main" xmlns:r="http://schemas.openxmlformats.org/officeDocument/2006/relationships" xmlns:p="http://schemas.openxmlformats.org/presentationml/2006/main">
+  <p:cSld>
+    <p:spTree>
+      <p:nvGrpSpPr>
+        <p:cNvPr id="1" name=""/>
+        <p:cNvGrpSpPr/>
+        <p:nvPr/>
+      </p:nvGrpSpPr>
+      <p:grpSpPr>
+        <a:xfrm>
+          <a:off x="0" y="0"/>
+          <a:ext cx="0" cy="0"/>
+          <a:chOff x="0" y="0"/>
+          <a:chExt cx="0" cy="0"/>
+        </a:xfrm>
+      </p:grpSpPr>
+      <p:sp>
+        <p:nvSpPr>
+          <p:cNvPr id="2" name="Title 1">
+            <a:extLst>
+              <a:ext uri="{FF2B5EF4-FFF2-40B4-BE49-F238E27FC236}">
+                <a16:creationId xmlns:a16="http://schemas.microsoft.com/office/drawing/2014/main" id="{FD98258B-98E1-9BB8-B167-F7E341C77447}"/>
+              </a:ext>
+            </a:extLst>
+          </p:cNvPr>
+          <p:cNvSpPr>
+            <a:spLocks noGrp="1"/>
+          </p:cNvSpPr>
+          <p:nvPr>
+            <p:ph type="title"/>
+          </p:nvPr>
+        </p:nvSpPr>
+        <p:spPr/>
+        <p:txBody>
+          <a:bodyPr/>
+          <a:lstStyle/>
+          <a:p>
+            <a:endParaRPr lang="en-US" dirty="0"/>
+          </a:p>
+        </p:txBody>
+      </p:sp>
+      <p:sp>
+        <p:nvSpPr>
+          <p:cNvPr id="3" name="Content Placeholder 2">
+            <a:extLst>
+              <a:ext uri="{FF2B5EF4-FFF2-40B4-BE49-F238E27FC236}">
+                <a16:creationId xmlns:a16="http://schemas.microsoft.com/office/drawing/2014/main" id="{EA55FAA4-92BA-7DEE-6421-F2B57D7F09AA}"/>
+              </a:ext>
+            </a:extLst>
+          </p:cNvPr>
+          <p:cNvSpPr>
+            <a:spLocks noGrp="1"/>
+          </p:cNvSpPr>
+          <p:nvPr>
+            <p:ph idx="1"/>
+          </p:nvPr>
+        </p:nvSpPr>
+        <p:spPr/>
+        <p:txBody>
+          <a:bodyPr/>
+          <a:lstStyle/>
+          <a:p>
+            <a:endParaRPr lang="en-US"/>
+          </a:p>
+        </p:txBody>
+      </p:sp>
+    </p:spTree>
+    <p:extLst>
+      <p:ext uri="{BB962C8B-B14F-4D97-AF65-F5344CB8AC3E}">
+        <p14:creationId xmlns:p14="http://schemas.microsoft.com/office/powerpoint/2010/main" val="910986597"/>
       </p:ext>
     </p:extLst>
   </p:cSld>

--- a/CSC330 Presentation.pptx
+++ b/CSC330 Presentation.pptx
@@ -16226,6 +16226,12 @@
               <a:t>List</a:t>
             </a:r>
           </a:p>
+          <a:p>
+            <a:r>
+              <a:rPr lang="en-US" dirty="0"/>
+              <a:t>More Information</a:t>
+            </a:r>
+          </a:p>
         </p:txBody>
       </p:sp>
     </p:spTree>
@@ -16594,7 +16600,10 @@
           <a:bodyPr/>
           <a:lstStyle/>
           <a:p>
-            <a:endParaRPr lang="en-US" dirty="0"/>
+            <a:r>
+              <a:rPr lang="en-US" dirty="0"/>
+              <a:t>More Information</a:t>
+            </a:r>
           </a:p>
         </p:txBody>
       </p:sp>
@@ -16619,7 +16628,27 @@
           <a:bodyPr/>
           <a:lstStyle/>
           <a:p>
-            <a:endParaRPr lang="en-US"/>
+            <a:r>
+              <a:rPr lang="en-US" dirty="0"/>
+              <a:t>There will be an additional button that the user can press</a:t>
+            </a:r>
+          </a:p>
+          <a:p>
+            <a:r>
+              <a:rPr lang="en-US" dirty="0"/>
+              <a:t>It will bring the user to another screen that will display more information like weaknesses </a:t>
+            </a:r>
+            <a:r>
+              <a:rPr lang="en-US"/>
+              <a:t>to other types</a:t>
+            </a:r>
+            <a:endParaRPr lang="en-US" dirty="0"/>
+          </a:p>
+          <a:p>
+            <a:pPr marL="0" indent="0">
+              <a:buNone/>
+            </a:pPr>
+            <a:endParaRPr lang="en-US" dirty="0"/>
           </a:p>
         </p:txBody>
       </p:sp>
